--- a/hometask.pptx
+++ b/hometask.pptx
@@ -9,7 +9,6 @@
     <p:sldId id="257" r:id="rId3"/>
     <p:sldId id="258" r:id="rId4"/>
     <p:sldId id="259" r:id="rId5"/>
-    <p:sldId id="260" r:id="rId6"/>
   </p:sldIdLst>
   <p:sldSz cx="12192000" cy="6858000"/>
   <p:notesSz cx="6858000" cy="9144000"/>
@@ -3625,7 +3624,7 @@
 </file>
 
 <file path=ppt/slides/slide3.xml><?xml version="1.0" encoding="utf-8"?>
-<p:sld xmlns:a="http://schemas.openxmlformats.org/drawingml/2006/main" xmlns:r="http://schemas.openxmlformats.org/officeDocument/2006/relationships" xmlns:p="http://schemas.openxmlformats.org/presentationml/2006/main" show="0">
+<p:sld xmlns:a="http://schemas.openxmlformats.org/drawingml/2006/main" xmlns:r="http://schemas.openxmlformats.org/officeDocument/2006/relationships" xmlns:p="http://schemas.openxmlformats.org/presentationml/2006/main">
   <p:cSld>
     <p:spTree>
       <p:nvGrpSpPr>
@@ -3646,7 +3645,7 @@
           <p:cNvPr id="3" name="Picture 2">
             <a:extLst>
               <a:ext uri="{FF2B5EF4-FFF2-40B4-BE49-F238E27FC236}">
-                <a16:creationId xmlns:a16="http://schemas.microsoft.com/office/drawing/2014/main" id="{2DE8FF46-F8CE-445E-8893-2A3BBA530764}"/>
+                <a16:creationId xmlns:a16="http://schemas.microsoft.com/office/drawing/2014/main" id="{A165A1A4-CEAB-4D2A-9C55-9AAC2D633BED}"/>
               </a:ext>
             </a:extLst>
           </p:cNvPr>
@@ -3669,8 +3668,8 @@
         </p:blipFill>
         <p:spPr>
           <a:xfrm>
-            <a:off x="-470263" y="531223"/>
-            <a:ext cx="12192000" cy="7326498"/>
+            <a:off x="156754" y="3117667"/>
+            <a:ext cx="12192000" cy="6553201"/>
           </a:xfrm>
           <a:prstGeom prst="rect">
             <a:avLst/>
@@ -3682,7 +3681,7 @@
           <p:cNvPr id="4" name="TextBox 3">
             <a:extLst>
               <a:ext uri="{FF2B5EF4-FFF2-40B4-BE49-F238E27FC236}">
-                <a16:creationId xmlns:a16="http://schemas.microsoft.com/office/drawing/2014/main" id="{09CBD97B-A842-4984-82A7-28C6DDC32D86}"/>
+                <a16:creationId xmlns:a16="http://schemas.microsoft.com/office/drawing/2014/main" id="{28544BD2-BA54-4047-BBE0-F46D91BDA966}"/>
               </a:ext>
             </a:extLst>
           </p:cNvPr>
@@ -3691,8 +3690,8 @@
         </p:nvSpPr>
         <p:spPr>
           <a:xfrm>
-            <a:off x="322217" y="0"/>
-            <a:ext cx="7071359" cy="369332"/>
+            <a:off x="156754" y="1314994"/>
+            <a:ext cx="10966362" cy="461665"/>
           </a:xfrm>
           <a:prstGeom prst="rect">
             <a:avLst/>
@@ -3706,8 +3705,33 @@
           <a:lstStyle/>
           <a:p>
             <a:r>
-              <a:rPr lang="en-US" dirty="0"/>
-              <a:t>Step3: creating a repository using git commands and adding file to git</a:t>
+              <a:rPr lang="en-US" sz="2400" dirty="0"/>
+              <a:t>Step3:</a:t>
+            </a:r>
+            <a:r>
+              <a:rPr lang="en-US" sz="2400" dirty="0">
+                <a:ln w="0"/>
+                <a:effectLst>
+                  <a:outerShdw blurRad="38100" dist="19050" dir="2700000" algn="tl" rotWithShape="0">
+                    <a:schemeClr val="dk1">
+                      <a:alpha val="40000"/>
+                    </a:schemeClr>
+                  </a:outerShdw>
+                </a:effectLst>
+              </a:rPr>
+              <a:t>creating</a:t>
+            </a:r>
+            <a:r>
+              <a:rPr lang="en-US" sz="2400" dirty="0"/>
+              <a:t> repository using the git commands and </a:t>
+            </a:r>
+            <a:r>
+              <a:rPr lang="en-US" sz="2400" dirty="0" err="1"/>
+              <a:t>add,commit</a:t>
+            </a:r>
+            <a:r>
+              <a:rPr lang="en-US" sz="2400" dirty="0"/>
+              <a:t> the files</a:t>
             </a:r>
             <a:endParaRPr lang="en-IN" dirty="0"/>
           </a:p>
@@ -3716,7 +3740,7 @@
     </p:spTree>
     <p:extLst>
       <p:ext uri="{BB962C8B-B14F-4D97-AF65-F5344CB8AC3E}">
-        <p14:creationId xmlns:p14="http://schemas.microsoft.com/office/powerpoint/2010/main" val="899506156"/>
+        <p14:creationId xmlns:p14="http://schemas.microsoft.com/office/powerpoint/2010/main" val="2808870603"/>
       </p:ext>
     </p:extLst>
   </p:cSld>
@@ -3743,12 +3767,48 @@
           <a:chExt cx="0" cy="0"/>
         </a:xfrm>
       </p:grpSpPr>
+      <p:sp>
+        <p:nvSpPr>
+          <p:cNvPr id="2" name="TextBox 1">
+            <a:extLst>
+              <a:ext uri="{FF2B5EF4-FFF2-40B4-BE49-F238E27FC236}">
+                <a16:creationId xmlns:a16="http://schemas.microsoft.com/office/drawing/2014/main" id="{B4CF8D69-2A71-4697-99C6-ECBB8A077D65}"/>
+              </a:ext>
+            </a:extLst>
+          </p:cNvPr>
+          <p:cNvSpPr txBox="1"/>
+          <p:nvPr/>
+        </p:nvSpPr>
+        <p:spPr>
+          <a:xfrm>
+            <a:off x="121920" y="470262"/>
+            <a:ext cx="10475753" cy="523220"/>
+          </a:xfrm>
+          <a:prstGeom prst="rect">
+            <a:avLst/>
+          </a:prstGeom>
+          <a:noFill/>
+        </p:spPr>
+        <p:txBody>
+          <a:bodyPr wrap="none" rtlCol="0">
+            <a:spAutoFit/>
+          </a:bodyPr>
+          <a:lstStyle/>
+          <a:p>
+            <a:r>
+              <a:rPr lang="en-US" sz="2800" dirty="0"/>
+              <a:t>Step4:pushing the changes into the remote server by defining the path</a:t>
+            </a:r>
+            <a:endParaRPr lang="en-IN" dirty="0"/>
+          </a:p>
+        </p:txBody>
+      </p:sp>
       <p:pic>
         <p:nvPicPr>
           <p:cNvPr id="4" name="Picture 3">
             <a:extLst>
               <a:ext uri="{FF2B5EF4-FFF2-40B4-BE49-F238E27FC236}">
-                <a16:creationId xmlns:a16="http://schemas.microsoft.com/office/drawing/2014/main" id="{D7068CC9-BA11-432D-A5F7-2819A9705485}"/>
+                <a16:creationId xmlns:a16="http://schemas.microsoft.com/office/drawing/2014/main" id="{1F6811CF-80FE-4F6F-B4A7-3E2D75F62D1F}"/>
               </a:ext>
             </a:extLst>
           </p:cNvPr>
@@ -3771,156 +3831,18 @@
         </p:blipFill>
         <p:spPr>
           <a:xfrm>
-            <a:off x="0" y="679268"/>
-            <a:ext cx="12192000" cy="6483531"/>
+            <a:off x="0" y="1210491"/>
+            <a:ext cx="12192000" cy="5978434"/>
           </a:xfrm>
           <a:prstGeom prst="rect">
             <a:avLst/>
           </a:prstGeom>
         </p:spPr>
       </p:pic>
-      <p:sp>
-        <p:nvSpPr>
-          <p:cNvPr id="5" name="TextBox 4">
-            <a:extLst>
-              <a:ext uri="{FF2B5EF4-FFF2-40B4-BE49-F238E27FC236}">
-                <a16:creationId xmlns:a16="http://schemas.microsoft.com/office/drawing/2014/main" id="{B5EB1B19-627A-4A1E-884B-434CE315104A}"/>
-              </a:ext>
-            </a:extLst>
-          </p:cNvPr>
-          <p:cNvSpPr txBox="1"/>
-          <p:nvPr/>
-        </p:nvSpPr>
-        <p:spPr>
-          <a:xfrm>
-            <a:off x="261257" y="309936"/>
-            <a:ext cx="6748066" cy="369332"/>
-          </a:xfrm>
-          <a:prstGeom prst="rect">
-            <a:avLst/>
-          </a:prstGeom>
-          <a:noFill/>
-        </p:spPr>
-        <p:txBody>
-          <a:bodyPr wrap="none" rtlCol="0">
-            <a:spAutoFit/>
-          </a:bodyPr>
-          <a:lstStyle/>
-          <a:p>
-            <a:r>
-              <a:rPr lang="en-US" dirty="0"/>
-              <a:t>Step3:giving the path where to push the changes and commit the files</a:t>
-            </a:r>
-            <a:endParaRPr lang="en-IN" dirty="0"/>
-          </a:p>
-        </p:txBody>
-      </p:sp>
     </p:spTree>
     <p:extLst>
       <p:ext uri="{BB962C8B-B14F-4D97-AF65-F5344CB8AC3E}">
-        <p14:creationId xmlns:p14="http://schemas.microsoft.com/office/powerpoint/2010/main" val="3665482749"/>
-      </p:ext>
-    </p:extLst>
-  </p:cSld>
-  <p:clrMapOvr>
-    <a:masterClrMapping/>
-  </p:clrMapOvr>
-</p:sld>
-</file>
-
-<file path=ppt/slides/slide5.xml><?xml version="1.0" encoding="utf-8"?>
-<p:sld xmlns:a="http://schemas.openxmlformats.org/drawingml/2006/main" xmlns:r="http://schemas.openxmlformats.org/officeDocument/2006/relationships" xmlns:p="http://schemas.openxmlformats.org/presentationml/2006/main">
-  <p:cSld>
-    <p:spTree>
-      <p:nvGrpSpPr>
-        <p:cNvPr id="1" name=""/>
-        <p:cNvGrpSpPr/>
-        <p:nvPr/>
-      </p:nvGrpSpPr>
-      <p:grpSpPr>
-        <a:xfrm>
-          <a:off x="0" y="0"/>
-          <a:ext cx="0" cy="0"/>
-          <a:chOff x="0" y="0"/>
-          <a:chExt cx="0" cy="0"/>
-        </a:xfrm>
-      </p:grpSpPr>
-      <p:pic>
-        <p:nvPicPr>
-          <p:cNvPr id="3" name="Picture 2">
-            <a:extLst>
-              <a:ext uri="{FF2B5EF4-FFF2-40B4-BE49-F238E27FC236}">
-                <a16:creationId xmlns:a16="http://schemas.microsoft.com/office/drawing/2014/main" id="{6EBFC06A-EB4B-4BDC-9D3F-9495C56E8C10}"/>
-              </a:ext>
-            </a:extLst>
-          </p:cNvPr>
-          <p:cNvPicPr>
-            <a:picLocks noChangeAspect="1"/>
-          </p:cNvPicPr>
-          <p:nvPr/>
-        </p:nvPicPr>
-        <p:blipFill>
-          <a:blip r:embed="rId2">
-            <a:extLst>
-              <a:ext uri="{28A0092B-C50C-407E-A947-70E740481C1C}">
-                <a14:useLocalDpi xmlns:a14="http://schemas.microsoft.com/office/drawing/2010/main" val="0"/>
-              </a:ext>
-            </a:extLst>
-          </a:blip>
-          <a:stretch>
-            <a:fillRect/>
-          </a:stretch>
-        </p:blipFill>
-        <p:spPr>
-          <a:xfrm>
-            <a:off x="0" y="592182"/>
-            <a:ext cx="12192000" cy="6265817"/>
-          </a:xfrm>
-          <a:prstGeom prst="rect">
-            <a:avLst/>
-          </a:prstGeom>
-        </p:spPr>
-      </p:pic>
-      <p:sp>
-        <p:nvSpPr>
-          <p:cNvPr id="4" name="TextBox 3">
-            <a:extLst>
-              <a:ext uri="{FF2B5EF4-FFF2-40B4-BE49-F238E27FC236}">
-                <a16:creationId xmlns:a16="http://schemas.microsoft.com/office/drawing/2014/main" id="{1A0CF38B-7EA9-4602-AB46-76AB53BF2918}"/>
-              </a:ext>
-            </a:extLst>
-          </p:cNvPr>
-          <p:cNvSpPr txBox="1"/>
-          <p:nvPr/>
-        </p:nvSpPr>
-        <p:spPr>
-          <a:xfrm>
-            <a:off x="3265714" y="357051"/>
-            <a:ext cx="4281237" cy="369332"/>
-          </a:xfrm>
-          <a:prstGeom prst="rect">
-            <a:avLst/>
-          </a:prstGeom>
-          <a:noFill/>
-        </p:spPr>
-        <p:txBody>
-          <a:bodyPr wrap="none" rtlCol="0">
-            <a:spAutoFit/>
-          </a:bodyPr>
-          <a:lstStyle/>
-          <a:p>
-            <a:r>
-              <a:rPr lang="en-US" dirty="0"/>
-              <a:t>Step5:Pushing the file from origin to master</a:t>
-            </a:r>
-            <a:endParaRPr lang="en-IN" dirty="0"/>
-          </a:p>
-        </p:txBody>
-      </p:sp>
-    </p:spTree>
-    <p:extLst>
-      <p:ext uri="{BB962C8B-B14F-4D97-AF65-F5344CB8AC3E}">
-        <p14:creationId xmlns:p14="http://schemas.microsoft.com/office/powerpoint/2010/main" val="3893264993"/>
+        <p14:creationId xmlns:p14="http://schemas.microsoft.com/office/powerpoint/2010/main" val="3924863460"/>
       </p:ext>
     </p:extLst>
   </p:cSld>
